--- a/assets/ppt/what_is_electric_current.pptx
+++ b/assets/ppt/what_is_electric_current.pptx
@@ -6,6 +6,7 @@
   </p:sldMasterIdLst>
   <p:sldIdLst>
     <p:sldId id="256" r:id="rId2"/>
+    <p:sldId id="257" r:id="rId3"/>
   </p:sldIdLst>
   <p:sldSz cx="12192000" cy="6858000"/>
   <p:notesSz cx="6858000" cy="9144000"/>
@@ -105,14 +106,6 @@
     </a:lvl9pPr>
   </p:defaultTextStyle>
 </p:presentation>
-</file>
-
-<file path=ppt/revisionInfo.xml><?xml version="1.0" encoding="utf-8"?>
-<p1510:revInfo xmlns:a="http://schemas.openxmlformats.org/drawingml/2006/main" xmlns:r="http://schemas.openxmlformats.org/officeDocument/2006/relationships" xmlns:p1510="http://schemas.microsoft.com/office/powerpoint/2015/10/main">
-  <p1510:revLst>
-    <p1510:client id="{D9324772-4E5F-478E-9C78-CBB190494B76}" v="4" dt="2022-02-27T05:03:43.121"/>
-  </p1510:revLst>
-</p1510:revInfo>
 </file>
 
 <file path=ppt/slideLayouts/slideLayout1.xml><?xml version="1.0" encoding="utf-8"?>
@@ -3500,10 +3493,279 @@
           </a:graphicData>
         </a:graphic>
       </p:graphicFrame>
+      <p:pic>
+        <p:nvPicPr>
+          <p:cNvPr id="7" name="그림 6" descr="나무, 옥외설치물, 실외, 물방앗간이(가) 표시된 사진&#10;&#10;자동 생성된 설명">
+            <a:extLst>
+              <a:ext uri="{FF2B5EF4-FFF2-40B4-BE49-F238E27FC236}">
+                <a16:creationId xmlns:a16="http://schemas.microsoft.com/office/drawing/2014/main" id="{34968AB9-C9D2-4BCC-A89F-E6F677EE6F16}"/>
+              </a:ext>
+            </a:extLst>
+          </p:cNvPr>
+          <p:cNvPicPr>
+            <a:picLocks noChangeAspect="1"/>
+          </p:cNvPicPr>
+          <p:nvPr/>
+        </p:nvPicPr>
+        <p:blipFill>
+          <a:blip r:embed="rId2">
+            <a:extLst>
+              <a:ext uri="{28A0092B-C50C-407E-A947-70E740481C1C}">
+                <a14:useLocalDpi xmlns:a14="http://schemas.microsoft.com/office/drawing/2010/main" val="0"/>
+              </a:ext>
+            </a:extLst>
+          </a:blip>
+          <a:stretch>
+            <a:fillRect/>
+          </a:stretch>
+        </p:blipFill>
+        <p:spPr>
+          <a:xfrm>
+            <a:off x="1633086" y="996857"/>
+            <a:ext cx="4125689" cy="3028256"/>
+          </a:xfrm>
+          <a:prstGeom prst="rect">
+            <a:avLst/>
+          </a:prstGeom>
+          <a:ln>
+            <a:solidFill>
+              <a:schemeClr val="accent1"/>
+            </a:solidFill>
+          </a:ln>
+        </p:spPr>
+      </p:pic>
+      <p:sp>
+        <p:nvSpPr>
+          <p:cNvPr id="8" name="TextBox 7">
+            <a:extLst>
+              <a:ext uri="{FF2B5EF4-FFF2-40B4-BE49-F238E27FC236}">
+                <a16:creationId xmlns:a16="http://schemas.microsoft.com/office/drawing/2014/main" id="{3CBC791C-0285-4EC0-BA49-717144D043F7}"/>
+              </a:ext>
+            </a:extLst>
+          </p:cNvPr>
+          <p:cNvSpPr txBox="1"/>
+          <p:nvPr/>
+        </p:nvSpPr>
+        <p:spPr>
+          <a:xfrm>
+            <a:off x="1623358" y="457200"/>
+            <a:ext cx="1608517" cy="369332"/>
+          </a:xfrm>
+          <a:prstGeom prst="rect">
+            <a:avLst/>
+          </a:prstGeom>
+          <a:noFill/>
+        </p:spPr>
+        <p:txBody>
+          <a:bodyPr wrap="none" rtlCol="0">
+            <a:spAutoFit/>
+          </a:bodyPr>
+          <a:lstStyle/>
+          <a:p>
+            <a:r>
+              <a:rPr lang="en-US" altLang="ko-KR" b="1"/>
+              <a:t>Water Wheel</a:t>
+            </a:r>
+            <a:endParaRPr lang="ko-KR" altLang="en-US" b="1"/>
+          </a:p>
+        </p:txBody>
+      </p:sp>
+      <p:pic>
+        <p:nvPicPr>
+          <p:cNvPr id="14" name="그림 13">
+            <a:extLst>
+              <a:ext uri="{FF2B5EF4-FFF2-40B4-BE49-F238E27FC236}">
+                <a16:creationId xmlns:a16="http://schemas.microsoft.com/office/drawing/2014/main" id="{4CC80113-87A9-4EFE-9963-0ACE942FECEF}"/>
+              </a:ext>
+            </a:extLst>
+          </p:cNvPr>
+          <p:cNvPicPr>
+            <a:picLocks noChangeAspect="1"/>
+          </p:cNvPicPr>
+          <p:nvPr/>
+        </p:nvPicPr>
+        <p:blipFill>
+          <a:blip r:embed="rId3"/>
+          <a:stretch>
+            <a:fillRect/>
+          </a:stretch>
+        </p:blipFill>
+        <p:spPr>
+          <a:xfrm>
+            <a:off x="6278052" y="826532"/>
+            <a:ext cx="4290590" cy="3385545"/>
+          </a:xfrm>
+          <a:prstGeom prst="rect">
+            <a:avLst/>
+          </a:prstGeom>
+        </p:spPr>
+      </p:pic>
+      <p:sp>
+        <p:nvSpPr>
+          <p:cNvPr id="16" name="TextBox 15">
+            <a:extLst>
+              <a:ext uri="{FF2B5EF4-FFF2-40B4-BE49-F238E27FC236}">
+                <a16:creationId xmlns:a16="http://schemas.microsoft.com/office/drawing/2014/main" id="{1830B70C-65E9-4012-9159-D544360824B1}"/>
+              </a:ext>
+            </a:extLst>
+          </p:cNvPr>
+          <p:cNvSpPr txBox="1"/>
+          <p:nvPr/>
+        </p:nvSpPr>
+        <p:spPr>
+          <a:xfrm>
+            <a:off x="6360728" y="457200"/>
+            <a:ext cx="3445880" cy="369332"/>
+          </a:xfrm>
+          <a:prstGeom prst="rect">
+            <a:avLst/>
+          </a:prstGeom>
+          <a:noFill/>
+        </p:spPr>
+        <p:txBody>
+          <a:bodyPr wrap="none" rtlCol="0">
+            <a:spAutoFit/>
+          </a:bodyPr>
+          <a:lstStyle/>
+          <a:p>
+            <a:r>
+              <a:rPr lang="en-US" altLang="ko-KR" b="1"/>
+              <a:t>Modeling of electrical system</a:t>
+            </a:r>
+            <a:endParaRPr lang="ko-KR" altLang="en-US" b="1"/>
+          </a:p>
+        </p:txBody>
+      </p:sp>
+      <p:sp>
+        <p:nvSpPr>
+          <p:cNvPr id="18" name="TextBox 17">
+            <a:extLst>
+              <a:ext uri="{FF2B5EF4-FFF2-40B4-BE49-F238E27FC236}">
+                <a16:creationId xmlns:a16="http://schemas.microsoft.com/office/drawing/2014/main" id="{5A6267EC-99AE-4D10-A84E-916C8E9524CD}"/>
+              </a:ext>
+            </a:extLst>
+          </p:cNvPr>
+          <p:cNvSpPr txBox="1"/>
+          <p:nvPr/>
+        </p:nvSpPr>
+        <p:spPr>
+          <a:xfrm>
+            <a:off x="1623358" y="4182894"/>
+            <a:ext cx="2455096" cy="369332"/>
+          </a:xfrm>
+          <a:prstGeom prst="rect">
+            <a:avLst/>
+          </a:prstGeom>
+          <a:noFill/>
+        </p:spPr>
+        <p:txBody>
+          <a:bodyPr wrap="none" rtlCol="0">
+            <a:spAutoFit/>
+          </a:bodyPr>
+          <a:lstStyle/>
+          <a:p>
+            <a:r>
+              <a:rPr lang="en-US" altLang="ko-KR" b="1"/>
+              <a:t>Rolling resistance is </a:t>
+            </a:r>
+            <a:endParaRPr lang="ko-KR" altLang="en-US" b="1"/>
+          </a:p>
+        </p:txBody>
+      </p:sp>
     </p:spTree>
     <p:extLst>
       <p:ext uri="{BB962C8B-B14F-4D97-AF65-F5344CB8AC3E}">
         <p14:creationId xmlns:p14="http://schemas.microsoft.com/office/powerpoint/2010/main" val="2837665120"/>
+      </p:ext>
+    </p:extLst>
+  </p:cSld>
+  <p:clrMapOvr>
+    <a:masterClrMapping/>
+  </p:clrMapOvr>
+</p:sld>
+</file>
+
+<file path=ppt/slides/slide2.xml><?xml version="1.0" encoding="utf-8"?>
+<p:sld xmlns:a="http://schemas.openxmlformats.org/drawingml/2006/main" xmlns:r="http://schemas.openxmlformats.org/officeDocument/2006/relationships" xmlns:p="http://schemas.openxmlformats.org/presentationml/2006/main">
+  <p:cSld>
+    <p:spTree>
+      <p:nvGrpSpPr>
+        <p:cNvPr id="1" name=""/>
+        <p:cNvGrpSpPr/>
+        <p:nvPr/>
+      </p:nvGrpSpPr>
+      <p:grpSpPr>
+        <a:xfrm>
+          <a:off x="0" y="0"/>
+          <a:ext cx="0" cy="0"/>
+          <a:chOff x="0" y="0"/>
+          <a:chExt cx="0" cy="0"/>
+        </a:xfrm>
+      </p:grpSpPr>
+      <p:pic>
+        <p:nvPicPr>
+          <p:cNvPr id="5" name="그림 4">
+            <a:extLst>
+              <a:ext uri="{FF2B5EF4-FFF2-40B4-BE49-F238E27FC236}">
+                <a16:creationId xmlns:a16="http://schemas.microsoft.com/office/drawing/2014/main" id="{11889B77-A820-4C57-97AC-F46F9DCC2653}"/>
+              </a:ext>
+            </a:extLst>
+          </p:cNvPr>
+          <p:cNvPicPr>
+            <a:picLocks noChangeAspect="1"/>
+          </p:cNvPicPr>
+          <p:nvPr/>
+        </p:nvPicPr>
+        <p:blipFill>
+          <a:blip r:embed="rId2"/>
+          <a:stretch>
+            <a:fillRect/>
+          </a:stretch>
+        </p:blipFill>
+        <p:spPr>
+          <a:xfrm>
+            <a:off x="2832998" y="1867779"/>
+            <a:ext cx="2400767" cy="2274410"/>
+          </a:xfrm>
+          <a:prstGeom prst="rect">
+            <a:avLst/>
+          </a:prstGeom>
+        </p:spPr>
+      </p:pic>
+      <p:pic>
+        <p:nvPicPr>
+          <p:cNvPr id="7" name="그림 6">
+            <a:extLst>
+              <a:ext uri="{FF2B5EF4-FFF2-40B4-BE49-F238E27FC236}">
+                <a16:creationId xmlns:a16="http://schemas.microsoft.com/office/drawing/2014/main" id="{1EC85675-B1C1-4741-AE8B-2C46A1D92754}"/>
+              </a:ext>
+            </a:extLst>
+          </p:cNvPr>
+          <p:cNvPicPr>
+            <a:picLocks noChangeAspect="1"/>
+          </p:cNvPicPr>
+          <p:nvPr/>
+        </p:nvPicPr>
+        <p:blipFill>
+          <a:blip r:embed="rId3"/>
+          <a:stretch>
+            <a:fillRect/>
+          </a:stretch>
+        </p:blipFill>
+        <p:spPr>
+          <a:xfrm>
+            <a:off x="6095999" y="2157827"/>
+            <a:ext cx="2843719" cy="1608332"/>
+          </a:xfrm>
+          <a:prstGeom prst="rect">
+            <a:avLst/>
+          </a:prstGeom>
+        </p:spPr>
+      </p:pic>
+    </p:spTree>
+    <p:extLst>
+      <p:ext uri="{BB962C8B-B14F-4D97-AF65-F5344CB8AC3E}">
+        <p14:creationId xmlns:p14="http://schemas.microsoft.com/office/powerpoint/2010/main" val="2485179343"/>
       </p:ext>
     </p:extLst>
   </p:cSld>
